--- a/Unit3and4_oop_Java.pptx
+++ b/Unit3and4_oop_Java.pptx
@@ -126,7 +126,7 @@
   </p:defaultTextStyle>
   <p:extLst>
     <p:ext uri="{EFAFB233-063F-42B5-8137-9DF3F51BA10A}">
-      <p15:sldGuideLst xmlns:p15="http://schemas.microsoft.com/office/powerpoint/2012/main"/>
+      <p15:sldGuideLst xmlns:p15="http://schemas.microsoft.com/office/powerpoint/2012/main" xmlns=""/>
     </p:ext>
   </p:extLst>
 </p:presentation>
@@ -263,7 +263,8 @@
           <a:p>
             <a:fld id="{F242B0F4-0322-4C2A-8573-984818CB2D48}" type="datetimeFigureOut">
               <a:rPr lang="en-US" smtClean="0"/>
-              <a:t>12/11/2022</a:t>
+              <a:pPr/>
+              <a:t>6/8/2023</a:t>
             </a:fld>
             <a:endParaRPr lang="en-US"/>
           </a:p>
@@ -305,6 +306,7 @@
           <a:p>
             <a:fld id="{8723A15A-7341-4A0A-9E8C-75B8CA3B2AC3}" type="slidenum">
               <a:rPr lang="en-US" smtClean="0"/>
+              <a:pPr/>
               <a:t>‹#›</a:t>
             </a:fld>
             <a:endParaRPr lang="en-US"/>
@@ -314,7 +316,7 @@
     </p:spTree>
     <p:extLst>
       <p:ext uri="{BB962C8B-B14F-4D97-AF65-F5344CB8AC3E}">
-        <p14:creationId xmlns:p14="http://schemas.microsoft.com/office/powerpoint/2010/main" val="175732156"/>
+        <p14:creationId xmlns:p14="http://schemas.microsoft.com/office/powerpoint/2010/main" xmlns="" val="175732156"/>
       </p:ext>
     </p:extLst>
   </p:cSld>
@@ -433,7 +435,8 @@
           <a:p>
             <a:fld id="{F242B0F4-0322-4C2A-8573-984818CB2D48}" type="datetimeFigureOut">
               <a:rPr lang="en-US" smtClean="0"/>
-              <a:t>12/11/2022</a:t>
+              <a:pPr/>
+              <a:t>6/8/2023</a:t>
             </a:fld>
             <a:endParaRPr lang="en-US"/>
           </a:p>
@@ -475,6 +478,7 @@
           <a:p>
             <a:fld id="{8723A15A-7341-4A0A-9E8C-75B8CA3B2AC3}" type="slidenum">
               <a:rPr lang="en-US" smtClean="0"/>
+              <a:pPr/>
               <a:t>‹#›</a:t>
             </a:fld>
             <a:endParaRPr lang="en-US"/>
@@ -484,7 +488,7 @@
     </p:spTree>
     <p:extLst>
       <p:ext uri="{BB962C8B-B14F-4D97-AF65-F5344CB8AC3E}">
-        <p14:creationId xmlns:p14="http://schemas.microsoft.com/office/powerpoint/2010/main" val="2695471137"/>
+        <p14:creationId xmlns:p14="http://schemas.microsoft.com/office/powerpoint/2010/main" xmlns="" val="2695471137"/>
       </p:ext>
     </p:extLst>
   </p:cSld>
@@ -613,7 +617,8 @@
           <a:p>
             <a:fld id="{F242B0F4-0322-4C2A-8573-984818CB2D48}" type="datetimeFigureOut">
               <a:rPr lang="en-US" smtClean="0"/>
-              <a:t>12/11/2022</a:t>
+              <a:pPr/>
+              <a:t>6/8/2023</a:t>
             </a:fld>
             <a:endParaRPr lang="en-US"/>
           </a:p>
@@ -655,6 +660,7 @@
           <a:p>
             <a:fld id="{8723A15A-7341-4A0A-9E8C-75B8CA3B2AC3}" type="slidenum">
               <a:rPr lang="en-US" smtClean="0"/>
+              <a:pPr/>
               <a:t>‹#›</a:t>
             </a:fld>
             <a:endParaRPr lang="en-US"/>
@@ -664,7 +670,7 @@
     </p:spTree>
     <p:extLst>
       <p:ext uri="{BB962C8B-B14F-4D97-AF65-F5344CB8AC3E}">
-        <p14:creationId xmlns:p14="http://schemas.microsoft.com/office/powerpoint/2010/main" val="94848840"/>
+        <p14:creationId xmlns:p14="http://schemas.microsoft.com/office/powerpoint/2010/main" xmlns="" val="94848840"/>
       </p:ext>
     </p:extLst>
   </p:cSld>
@@ -783,7 +789,8 @@
           <a:p>
             <a:fld id="{F242B0F4-0322-4C2A-8573-984818CB2D48}" type="datetimeFigureOut">
               <a:rPr lang="en-US" smtClean="0"/>
-              <a:t>12/11/2022</a:t>
+              <a:pPr/>
+              <a:t>6/8/2023</a:t>
             </a:fld>
             <a:endParaRPr lang="en-US"/>
           </a:p>
@@ -825,6 +832,7 @@
           <a:p>
             <a:fld id="{8723A15A-7341-4A0A-9E8C-75B8CA3B2AC3}" type="slidenum">
               <a:rPr lang="en-US" smtClean="0"/>
+              <a:pPr/>
               <a:t>‹#›</a:t>
             </a:fld>
             <a:endParaRPr lang="en-US"/>
@@ -834,7 +842,7 @@
     </p:spTree>
     <p:extLst>
       <p:ext uri="{BB962C8B-B14F-4D97-AF65-F5344CB8AC3E}">
-        <p14:creationId xmlns:p14="http://schemas.microsoft.com/office/powerpoint/2010/main" val="3233470392"/>
+        <p14:creationId xmlns:p14="http://schemas.microsoft.com/office/powerpoint/2010/main" xmlns="" val="3233470392"/>
       </p:ext>
     </p:extLst>
   </p:cSld>
@@ -1029,7 +1037,8 @@
           <a:p>
             <a:fld id="{F242B0F4-0322-4C2A-8573-984818CB2D48}" type="datetimeFigureOut">
               <a:rPr lang="en-US" smtClean="0"/>
-              <a:t>12/11/2022</a:t>
+              <a:pPr/>
+              <a:t>6/8/2023</a:t>
             </a:fld>
             <a:endParaRPr lang="en-US"/>
           </a:p>
@@ -1071,6 +1080,7 @@
           <a:p>
             <a:fld id="{8723A15A-7341-4A0A-9E8C-75B8CA3B2AC3}" type="slidenum">
               <a:rPr lang="en-US" smtClean="0"/>
+              <a:pPr/>
               <a:t>‹#›</a:t>
             </a:fld>
             <a:endParaRPr lang="en-US"/>
@@ -1080,7 +1090,7 @@
     </p:spTree>
     <p:extLst>
       <p:ext uri="{BB962C8B-B14F-4D97-AF65-F5344CB8AC3E}">
-        <p14:creationId xmlns:p14="http://schemas.microsoft.com/office/powerpoint/2010/main" val="776236726"/>
+        <p14:creationId xmlns:p14="http://schemas.microsoft.com/office/powerpoint/2010/main" xmlns="" val="776236726"/>
       </p:ext>
     </p:extLst>
   </p:cSld>
@@ -1261,7 +1271,8 @@
           <a:p>
             <a:fld id="{F242B0F4-0322-4C2A-8573-984818CB2D48}" type="datetimeFigureOut">
               <a:rPr lang="en-US" smtClean="0"/>
-              <a:t>12/11/2022</a:t>
+              <a:pPr/>
+              <a:t>6/8/2023</a:t>
             </a:fld>
             <a:endParaRPr lang="en-US"/>
           </a:p>
@@ -1303,6 +1314,7 @@
           <a:p>
             <a:fld id="{8723A15A-7341-4A0A-9E8C-75B8CA3B2AC3}" type="slidenum">
               <a:rPr lang="en-US" smtClean="0"/>
+              <a:pPr/>
               <a:t>‹#›</a:t>
             </a:fld>
             <a:endParaRPr lang="en-US"/>
@@ -1312,7 +1324,7 @@
     </p:spTree>
     <p:extLst>
       <p:ext uri="{BB962C8B-B14F-4D97-AF65-F5344CB8AC3E}">
-        <p14:creationId xmlns:p14="http://schemas.microsoft.com/office/powerpoint/2010/main" val="2069751361"/>
+        <p14:creationId xmlns:p14="http://schemas.microsoft.com/office/powerpoint/2010/main" xmlns="" val="2069751361"/>
       </p:ext>
     </p:extLst>
   </p:cSld>
@@ -1628,7 +1640,8 @@
           <a:p>
             <a:fld id="{F242B0F4-0322-4C2A-8573-984818CB2D48}" type="datetimeFigureOut">
               <a:rPr lang="en-US" smtClean="0"/>
-              <a:t>12/11/2022</a:t>
+              <a:pPr/>
+              <a:t>6/8/2023</a:t>
             </a:fld>
             <a:endParaRPr lang="en-US"/>
           </a:p>
@@ -1670,6 +1683,7 @@
           <a:p>
             <a:fld id="{8723A15A-7341-4A0A-9E8C-75B8CA3B2AC3}" type="slidenum">
               <a:rPr lang="en-US" smtClean="0"/>
+              <a:pPr/>
               <a:t>‹#›</a:t>
             </a:fld>
             <a:endParaRPr lang="en-US"/>
@@ -1679,7 +1693,7 @@
     </p:spTree>
     <p:extLst>
       <p:ext uri="{BB962C8B-B14F-4D97-AF65-F5344CB8AC3E}">
-        <p14:creationId xmlns:p14="http://schemas.microsoft.com/office/powerpoint/2010/main" val="893181421"/>
+        <p14:creationId xmlns:p14="http://schemas.microsoft.com/office/powerpoint/2010/main" xmlns="" val="893181421"/>
       </p:ext>
     </p:extLst>
   </p:cSld>
@@ -1746,7 +1760,8 @@
           <a:p>
             <a:fld id="{F242B0F4-0322-4C2A-8573-984818CB2D48}" type="datetimeFigureOut">
               <a:rPr lang="en-US" smtClean="0"/>
-              <a:t>12/11/2022</a:t>
+              <a:pPr/>
+              <a:t>6/8/2023</a:t>
             </a:fld>
             <a:endParaRPr lang="en-US"/>
           </a:p>
@@ -1788,6 +1803,7 @@
           <a:p>
             <a:fld id="{8723A15A-7341-4A0A-9E8C-75B8CA3B2AC3}" type="slidenum">
               <a:rPr lang="en-US" smtClean="0"/>
+              <a:pPr/>
               <a:t>‹#›</a:t>
             </a:fld>
             <a:endParaRPr lang="en-US"/>
@@ -1797,7 +1813,7 @@
     </p:spTree>
     <p:extLst>
       <p:ext uri="{BB962C8B-B14F-4D97-AF65-F5344CB8AC3E}">
-        <p14:creationId xmlns:p14="http://schemas.microsoft.com/office/powerpoint/2010/main" val="3721611758"/>
+        <p14:creationId xmlns:p14="http://schemas.microsoft.com/office/powerpoint/2010/main" xmlns="" val="3721611758"/>
       </p:ext>
     </p:extLst>
   </p:cSld>
@@ -1841,7 +1857,8 @@
           <a:p>
             <a:fld id="{F242B0F4-0322-4C2A-8573-984818CB2D48}" type="datetimeFigureOut">
               <a:rPr lang="en-US" smtClean="0"/>
-              <a:t>12/11/2022</a:t>
+              <a:pPr/>
+              <a:t>6/8/2023</a:t>
             </a:fld>
             <a:endParaRPr lang="en-US"/>
           </a:p>
@@ -1883,6 +1900,7 @@
           <a:p>
             <a:fld id="{8723A15A-7341-4A0A-9E8C-75B8CA3B2AC3}" type="slidenum">
               <a:rPr lang="en-US" smtClean="0"/>
+              <a:pPr/>
               <a:t>‹#›</a:t>
             </a:fld>
             <a:endParaRPr lang="en-US"/>
@@ -1892,7 +1910,7 @@
     </p:spTree>
     <p:extLst>
       <p:ext uri="{BB962C8B-B14F-4D97-AF65-F5344CB8AC3E}">
-        <p14:creationId xmlns:p14="http://schemas.microsoft.com/office/powerpoint/2010/main" val="1930191415"/>
+        <p14:creationId xmlns:p14="http://schemas.microsoft.com/office/powerpoint/2010/main" xmlns="" val="1930191415"/>
       </p:ext>
     </p:extLst>
   </p:cSld>
@@ -2118,7 +2136,8 @@
           <a:p>
             <a:fld id="{F242B0F4-0322-4C2A-8573-984818CB2D48}" type="datetimeFigureOut">
               <a:rPr lang="en-US" smtClean="0"/>
-              <a:t>12/11/2022</a:t>
+              <a:pPr/>
+              <a:t>6/8/2023</a:t>
             </a:fld>
             <a:endParaRPr lang="en-US"/>
           </a:p>
@@ -2160,6 +2179,7 @@
           <a:p>
             <a:fld id="{8723A15A-7341-4A0A-9E8C-75B8CA3B2AC3}" type="slidenum">
               <a:rPr lang="en-US" smtClean="0"/>
+              <a:pPr/>
               <a:t>‹#›</a:t>
             </a:fld>
             <a:endParaRPr lang="en-US"/>
@@ -2169,7 +2189,7 @@
     </p:spTree>
     <p:extLst>
       <p:ext uri="{BB962C8B-B14F-4D97-AF65-F5344CB8AC3E}">
-        <p14:creationId xmlns:p14="http://schemas.microsoft.com/office/powerpoint/2010/main" val="3208538523"/>
+        <p14:creationId xmlns:p14="http://schemas.microsoft.com/office/powerpoint/2010/main" xmlns="" val="3208538523"/>
       </p:ext>
     </p:extLst>
   </p:cSld>
@@ -2371,7 +2391,8 @@
           <a:p>
             <a:fld id="{F242B0F4-0322-4C2A-8573-984818CB2D48}" type="datetimeFigureOut">
               <a:rPr lang="en-US" smtClean="0"/>
-              <a:t>12/11/2022</a:t>
+              <a:pPr/>
+              <a:t>6/8/2023</a:t>
             </a:fld>
             <a:endParaRPr lang="en-US"/>
           </a:p>
@@ -2413,6 +2434,7 @@
           <a:p>
             <a:fld id="{8723A15A-7341-4A0A-9E8C-75B8CA3B2AC3}" type="slidenum">
               <a:rPr lang="en-US" smtClean="0"/>
+              <a:pPr/>
               <a:t>‹#›</a:t>
             </a:fld>
             <a:endParaRPr lang="en-US"/>
@@ -2422,7 +2444,7 @@
     </p:spTree>
     <p:extLst>
       <p:ext uri="{BB962C8B-B14F-4D97-AF65-F5344CB8AC3E}">
-        <p14:creationId xmlns:p14="http://schemas.microsoft.com/office/powerpoint/2010/main" val="3495949167"/>
+        <p14:creationId xmlns:p14="http://schemas.microsoft.com/office/powerpoint/2010/main" xmlns="" val="3495949167"/>
       </p:ext>
     </p:extLst>
   </p:cSld>
@@ -2584,7 +2606,8 @@
           <a:p>
             <a:fld id="{F242B0F4-0322-4C2A-8573-984818CB2D48}" type="datetimeFigureOut">
               <a:rPr lang="en-US" smtClean="0"/>
-              <a:t>12/11/2022</a:t>
+              <a:pPr/>
+              <a:t>6/8/2023</a:t>
             </a:fld>
             <a:endParaRPr lang="en-US"/>
           </a:p>
@@ -2662,6 +2685,7 @@
           <a:p>
             <a:fld id="{8723A15A-7341-4A0A-9E8C-75B8CA3B2AC3}" type="slidenum">
               <a:rPr lang="en-US" smtClean="0"/>
+              <a:pPr/>
               <a:t>‹#›</a:t>
             </a:fld>
             <a:endParaRPr lang="en-US"/>
@@ -2671,7 +2695,7 @@
     </p:spTree>
     <p:extLst>
       <p:ext uri="{BB962C8B-B14F-4D97-AF65-F5344CB8AC3E}">
-        <p14:creationId xmlns:p14="http://schemas.microsoft.com/office/powerpoint/2010/main" val="1165786574"/>
+        <p14:creationId xmlns:p14="http://schemas.microsoft.com/office/powerpoint/2010/main" xmlns="" val="1165786574"/>
       </p:ext>
     </p:extLst>
   </p:cSld>
@@ -3100,7 +3124,7 @@
     </p:spTree>
     <p:extLst>
       <p:ext uri="{BB962C8B-B14F-4D97-AF65-F5344CB8AC3E}">
-        <p14:creationId xmlns:p14="http://schemas.microsoft.com/office/powerpoint/2010/main" val="1652723768"/>
+        <p14:creationId xmlns:p14="http://schemas.microsoft.com/office/powerpoint/2010/main" xmlns="" val="1652723768"/>
       </p:ext>
     </p:extLst>
   </p:cSld>
@@ -3459,7 +3483,7 @@
     </p:spTree>
     <p:extLst>
       <p:ext uri="{BB962C8B-B14F-4D97-AF65-F5344CB8AC3E}">
-        <p14:creationId xmlns:p14="http://schemas.microsoft.com/office/powerpoint/2010/main" val="1159199306"/>
+        <p14:creationId xmlns:p14="http://schemas.microsoft.com/office/powerpoint/2010/main" xmlns="" val="1159199306"/>
       </p:ext>
     </p:extLst>
   </p:cSld>
@@ -3688,7 +3712,7 @@
     </p:spTree>
     <p:extLst>
       <p:ext uri="{BB962C8B-B14F-4D97-AF65-F5344CB8AC3E}">
-        <p14:creationId xmlns:p14="http://schemas.microsoft.com/office/powerpoint/2010/main" val="2109020492"/>
+        <p14:creationId xmlns:p14="http://schemas.microsoft.com/office/powerpoint/2010/main" xmlns="" val="2109020492"/>
       </p:ext>
     </p:extLst>
   </p:cSld>
@@ -3991,7 +4015,7 @@
     </p:spTree>
     <p:extLst>
       <p:ext uri="{BB962C8B-B14F-4D97-AF65-F5344CB8AC3E}">
-        <p14:creationId xmlns:p14="http://schemas.microsoft.com/office/powerpoint/2010/main" val="3005219240"/>
+        <p14:creationId xmlns:p14="http://schemas.microsoft.com/office/powerpoint/2010/main" xmlns="" val="3005219240"/>
       </p:ext>
     </p:extLst>
   </p:cSld>
@@ -4235,7 +4259,7 @@
     </p:spTree>
     <p:extLst>
       <p:ext uri="{BB962C8B-B14F-4D97-AF65-F5344CB8AC3E}">
-        <p14:creationId xmlns:p14="http://schemas.microsoft.com/office/powerpoint/2010/main" val="2200015583"/>
+        <p14:creationId xmlns:p14="http://schemas.microsoft.com/office/powerpoint/2010/main" xmlns="" val="2200015583"/>
       </p:ext>
     </p:extLst>
   </p:cSld>
@@ -4278,10 +4302,10 @@
           <p:nvPr/>
         </p:nvPicPr>
         <p:blipFill>
-          <a:blip r:embed="rId2">
+          <a:blip r:embed="rId2" cstate="print">
             <a:extLst>
               <a:ext uri="{28A0092B-C50C-407E-A947-70E740481C1C}">
-                <a14:useLocalDpi xmlns:a14="http://schemas.microsoft.com/office/drawing/2010/main" val="0"/>
+                <a14:useLocalDpi xmlns:a14="http://schemas.microsoft.com/office/drawing/2010/main" xmlns="" val="0"/>
               </a:ext>
             </a:extLst>
           </a:blip>
@@ -4301,7 +4325,7 @@
           <a:noFill/>
           <a:extLst>
             <a:ext uri="{909E8E84-426E-40DD-AFC4-6F175D3DCCD1}">
-              <a14:hiddenFill xmlns:a14="http://schemas.microsoft.com/office/drawing/2010/main">
+              <a14:hiddenFill xmlns:a14="http://schemas.microsoft.com/office/drawing/2010/main" xmlns="">
                 <a:solidFill>
                   <a:srgbClr val="FFFFFF"/>
                 </a:solidFill>
@@ -4540,7 +4564,7 @@
     </p:spTree>
     <p:extLst>
       <p:ext uri="{BB962C8B-B14F-4D97-AF65-F5344CB8AC3E}">
-        <p14:creationId xmlns:p14="http://schemas.microsoft.com/office/powerpoint/2010/main" val="3391224635"/>
+        <p14:creationId xmlns:p14="http://schemas.microsoft.com/office/powerpoint/2010/main" xmlns="" val="3391224635"/>
       </p:ext>
     </p:extLst>
   </p:cSld>
@@ -4672,10 +4696,10 @@
           <p:nvPr/>
         </p:nvPicPr>
         <p:blipFill>
-          <a:blip r:embed="rId2">
+          <a:blip r:embed="rId2" cstate="print">
             <a:extLst>
               <a:ext uri="{28A0092B-C50C-407E-A947-70E740481C1C}">
-                <a14:useLocalDpi xmlns:a14="http://schemas.microsoft.com/office/drawing/2010/main" val="0"/>
+                <a14:useLocalDpi xmlns:a14="http://schemas.microsoft.com/office/drawing/2010/main" xmlns="" val="0"/>
               </a:ext>
             </a:extLst>
           </a:blip>
@@ -4695,7 +4719,7 @@
           <a:noFill/>
           <a:extLst>
             <a:ext uri="{909E8E84-426E-40DD-AFC4-6F175D3DCCD1}">
-              <a14:hiddenFill xmlns:a14="http://schemas.microsoft.com/office/drawing/2010/main">
+              <a14:hiddenFill xmlns:a14="http://schemas.microsoft.com/office/drawing/2010/main" xmlns="">
                 <a:solidFill>
                   <a:srgbClr val="FFFFFF"/>
                 </a:solidFill>
@@ -4713,10 +4737,10 @@
           <p:nvPr/>
         </p:nvPicPr>
         <p:blipFill>
-          <a:blip r:embed="rId3">
+          <a:blip r:embed="rId3" cstate="print">
             <a:extLst>
               <a:ext uri="{28A0092B-C50C-407E-A947-70E740481C1C}">
-                <a14:useLocalDpi xmlns:a14="http://schemas.microsoft.com/office/drawing/2010/main" val="0"/>
+                <a14:useLocalDpi xmlns:a14="http://schemas.microsoft.com/office/drawing/2010/main" xmlns="" val="0"/>
               </a:ext>
             </a:extLst>
           </a:blip>
@@ -4736,7 +4760,7 @@
           <a:noFill/>
           <a:extLst>
             <a:ext uri="{909E8E84-426E-40DD-AFC4-6F175D3DCCD1}">
-              <a14:hiddenFill xmlns:a14="http://schemas.microsoft.com/office/drawing/2010/main">
+              <a14:hiddenFill xmlns:a14="http://schemas.microsoft.com/office/drawing/2010/main" xmlns="">
                 <a:solidFill>
                   <a:srgbClr val="FFFFFF"/>
                 </a:solidFill>
@@ -4748,7 +4772,7 @@
     </p:spTree>
     <p:extLst>
       <p:ext uri="{BB962C8B-B14F-4D97-AF65-F5344CB8AC3E}">
-        <p14:creationId xmlns:p14="http://schemas.microsoft.com/office/powerpoint/2010/main" val="2688074330"/>
+        <p14:creationId xmlns:p14="http://schemas.microsoft.com/office/powerpoint/2010/main" xmlns="" val="2688074330"/>
       </p:ext>
     </p:extLst>
   </p:cSld>
@@ -4926,7 +4950,7 @@
     </p:spTree>
     <p:extLst>
       <p:ext uri="{BB962C8B-B14F-4D97-AF65-F5344CB8AC3E}">
-        <p14:creationId xmlns:p14="http://schemas.microsoft.com/office/powerpoint/2010/main" val="4241707975"/>
+        <p14:creationId xmlns:p14="http://schemas.microsoft.com/office/powerpoint/2010/main" xmlns="" val="4241707975"/>
       </p:ext>
     </p:extLst>
   </p:cSld>
@@ -5119,10 +5143,10 @@
           <p:nvPr/>
         </p:nvPicPr>
         <p:blipFill>
-          <a:blip r:embed="rId2">
+          <a:blip r:embed="rId2" cstate="print">
             <a:extLst>
               <a:ext uri="{28A0092B-C50C-407E-A947-70E740481C1C}">
-                <a14:useLocalDpi xmlns:a14="http://schemas.microsoft.com/office/drawing/2010/main" val="0"/>
+                <a14:useLocalDpi xmlns:a14="http://schemas.microsoft.com/office/drawing/2010/main" xmlns="" val="0"/>
               </a:ext>
             </a:extLst>
           </a:blip>
@@ -5142,7 +5166,7 @@
           <a:noFill/>
           <a:extLst>
             <a:ext uri="{909E8E84-426E-40DD-AFC4-6F175D3DCCD1}">
-              <a14:hiddenFill xmlns:a14="http://schemas.microsoft.com/office/drawing/2010/main">
+              <a14:hiddenFill xmlns:a14="http://schemas.microsoft.com/office/drawing/2010/main" xmlns="">
                 <a:solidFill>
                   <a:srgbClr val="FFFFFF"/>
                 </a:solidFill>
@@ -5154,7 +5178,7 @@
     </p:spTree>
     <p:extLst>
       <p:ext uri="{BB962C8B-B14F-4D97-AF65-F5344CB8AC3E}">
-        <p14:creationId xmlns:p14="http://schemas.microsoft.com/office/powerpoint/2010/main" val="1479865832"/>
+        <p14:creationId xmlns:p14="http://schemas.microsoft.com/office/powerpoint/2010/main" xmlns="" val="1479865832"/>
       </p:ext>
     </p:extLst>
   </p:cSld>
@@ -5645,7 +5669,7 @@
     </p:spTree>
     <p:extLst>
       <p:ext uri="{BB962C8B-B14F-4D97-AF65-F5344CB8AC3E}">
-        <p14:creationId xmlns:p14="http://schemas.microsoft.com/office/powerpoint/2010/main" val="3815869993"/>
+        <p14:creationId xmlns:p14="http://schemas.microsoft.com/office/powerpoint/2010/main" xmlns="" val="3815869993"/>
       </p:ext>
     </p:extLst>
   </p:cSld>
@@ -5688,7 +5712,7 @@
           <p:nvPr>
             <p:extLst>
               <p:ext uri="{D42A27DB-BD31-4B8C-83A1-F6EECF244321}">
-                <p14:modId xmlns:p14="http://schemas.microsoft.com/office/powerpoint/2010/main" val="1769021233"/>
+                <p14:modId xmlns:p14="http://schemas.microsoft.com/office/powerpoint/2010/main" xmlns="" val="1769021233"/>
               </p:ext>
             </p:extLst>
           </p:nvPr>
@@ -7436,14 +7460,14 @@
           <a:effectLst/>
           <a:extLst>
             <a:ext uri="{909E8E84-426E-40DD-AFC4-6F175D3DCCD1}">
-              <a14:hiddenFill xmlns:a14="http://schemas.microsoft.com/office/drawing/2010/main">
+              <a14:hiddenFill xmlns:a14="http://schemas.microsoft.com/office/drawing/2010/main" xmlns="">
                 <a:solidFill>
                   <a:schemeClr val="accent1"/>
                 </a:solidFill>
               </a14:hiddenFill>
             </a:ext>
             <a:ext uri="{91240B29-F687-4F45-9708-019B960494DF}">
-              <a14:hiddenLine xmlns:a14="http://schemas.microsoft.com/office/drawing/2010/main" w="9525">
+              <a14:hiddenLine xmlns:a14="http://schemas.microsoft.com/office/drawing/2010/main" xmlns="" w="9525">
                 <a:solidFill>
                   <a:schemeClr val="tx1"/>
                 </a:solidFill>
@@ -7453,7 +7477,7 @@
               </a14:hiddenLine>
             </a:ext>
             <a:ext uri="{AF507438-7753-43E0-B8FC-AC1667EBCBE1}">
-              <a14:hiddenEffects xmlns:a14="http://schemas.microsoft.com/office/drawing/2010/main">
+              <a14:hiddenEffects xmlns:a14="http://schemas.microsoft.com/office/drawing/2010/main" xmlns="">
                 <a:effectLst>
                   <a:outerShdw dist="35921" dir="2700000" algn="ctr" rotWithShape="0">
                     <a:schemeClr val="bg2"/>
@@ -7579,7 +7603,7 @@
     </p:spTree>
     <p:extLst>
       <p:ext uri="{BB962C8B-B14F-4D97-AF65-F5344CB8AC3E}">
-        <p14:creationId xmlns:p14="http://schemas.microsoft.com/office/powerpoint/2010/main" val="4177088423"/>
+        <p14:creationId xmlns:p14="http://schemas.microsoft.com/office/powerpoint/2010/main" xmlns="" val="4177088423"/>
       </p:ext>
     </p:extLst>
   </p:cSld>
@@ -7817,7 +7841,7 @@
     </p:spTree>
     <p:extLst>
       <p:ext uri="{BB962C8B-B14F-4D97-AF65-F5344CB8AC3E}">
-        <p14:creationId xmlns:p14="http://schemas.microsoft.com/office/powerpoint/2010/main" val="1164009533"/>
+        <p14:creationId xmlns:p14="http://schemas.microsoft.com/office/powerpoint/2010/main" xmlns="" val="1164009533"/>
       </p:ext>
     </p:extLst>
   </p:cSld>
@@ -8147,8 +8171,8 @@
         </p:nvSpPr>
         <p:spPr>
           <a:xfrm>
-            <a:off x="879143" y="1211475"/>
-            <a:ext cx="10939818" cy="5475927"/>
+            <a:off x="802257" y="707367"/>
+            <a:ext cx="11016704" cy="5980036"/>
           </a:xfrm>
         </p:spPr>
         <p:txBody>
@@ -8354,7 +8378,7 @@
     </p:spTree>
     <p:extLst>
       <p:ext uri="{BB962C8B-B14F-4D97-AF65-F5344CB8AC3E}">
-        <p14:creationId xmlns:p14="http://schemas.microsoft.com/office/powerpoint/2010/main" val="930675838"/>
+        <p14:creationId xmlns:p14="http://schemas.microsoft.com/office/powerpoint/2010/main" xmlns="" val="930675838"/>
       </p:ext>
     </p:extLst>
   </p:cSld>
@@ -8543,7 +8567,7 @@
     </p:spTree>
     <p:extLst>
       <p:ext uri="{BB962C8B-B14F-4D97-AF65-F5344CB8AC3E}">
-        <p14:creationId xmlns:p14="http://schemas.microsoft.com/office/powerpoint/2010/main" val="1320816460"/>
+        <p14:creationId xmlns:p14="http://schemas.microsoft.com/office/powerpoint/2010/main" xmlns="" val="1320816460"/>
       </p:ext>
     </p:extLst>
   </p:cSld>
@@ -8996,7 +9020,7 @@
     </p:spTree>
     <p:extLst>
       <p:ext uri="{BB962C8B-B14F-4D97-AF65-F5344CB8AC3E}">
-        <p14:creationId xmlns:p14="http://schemas.microsoft.com/office/powerpoint/2010/main" val="453377632"/>
+        <p14:creationId xmlns:p14="http://schemas.microsoft.com/office/powerpoint/2010/main" xmlns="" val="453377632"/>
       </p:ext>
     </p:extLst>
   </p:cSld>
@@ -9524,7 +9548,7 @@
     </p:spTree>
     <p:extLst>
       <p:ext uri="{BB962C8B-B14F-4D97-AF65-F5344CB8AC3E}">
-        <p14:creationId xmlns:p14="http://schemas.microsoft.com/office/powerpoint/2010/main" val="2714984593"/>
+        <p14:creationId xmlns:p14="http://schemas.microsoft.com/office/powerpoint/2010/main" xmlns="" val="2714984593"/>
       </p:ext>
     </p:extLst>
   </p:cSld>
@@ -9883,7 +9907,7 @@
     </p:spTree>
     <p:extLst>
       <p:ext uri="{BB962C8B-B14F-4D97-AF65-F5344CB8AC3E}">
-        <p14:creationId xmlns:p14="http://schemas.microsoft.com/office/powerpoint/2010/main" val="1095474232"/>
+        <p14:creationId xmlns:p14="http://schemas.microsoft.com/office/powerpoint/2010/main" xmlns="" val="1095474232"/>
       </p:ext>
     </p:extLst>
   </p:cSld>
@@ -10170,7 +10194,7 @@
     </p:spTree>
     <p:extLst>
       <p:ext uri="{BB962C8B-B14F-4D97-AF65-F5344CB8AC3E}">
-        <p14:creationId xmlns:p14="http://schemas.microsoft.com/office/powerpoint/2010/main" val="342075372"/>
+        <p14:creationId xmlns:p14="http://schemas.microsoft.com/office/powerpoint/2010/main" xmlns="" val="342075372"/>
       </p:ext>
     </p:extLst>
   </p:cSld>
@@ -10554,7 +10578,7 @@
     </p:spTree>
     <p:extLst>
       <p:ext uri="{BB962C8B-B14F-4D97-AF65-F5344CB8AC3E}">
-        <p14:creationId xmlns:p14="http://schemas.microsoft.com/office/powerpoint/2010/main" val="597633270"/>
+        <p14:creationId xmlns:p14="http://schemas.microsoft.com/office/powerpoint/2010/main" xmlns="" val="597633270"/>
       </p:ext>
     </p:extLst>
   </p:cSld>
@@ -10597,10 +10621,10 @@
           <p:nvPr/>
         </p:nvPicPr>
         <p:blipFill>
-          <a:blip r:embed="rId2">
+          <a:blip r:embed="rId2" cstate="print">
             <a:extLst>
               <a:ext uri="{28A0092B-C50C-407E-A947-70E740481C1C}">
-                <a14:useLocalDpi xmlns:a14="http://schemas.microsoft.com/office/drawing/2010/main" val="0"/>
+                <a14:useLocalDpi xmlns:a14="http://schemas.microsoft.com/office/drawing/2010/main" xmlns="" val="0"/>
               </a:ext>
             </a:extLst>
           </a:blip>
@@ -10620,7 +10644,7 @@
           <a:noFill/>
           <a:extLst>
             <a:ext uri="{909E8E84-426E-40DD-AFC4-6F175D3DCCD1}">
-              <a14:hiddenFill xmlns:a14="http://schemas.microsoft.com/office/drawing/2010/main">
+              <a14:hiddenFill xmlns:a14="http://schemas.microsoft.com/office/drawing/2010/main" xmlns="">
                 <a:solidFill>
                   <a:srgbClr val="FFFFFF"/>
                 </a:solidFill>
@@ -10632,7 +10656,7 @@
     </p:spTree>
     <p:extLst>
       <p:ext uri="{BB962C8B-B14F-4D97-AF65-F5344CB8AC3E}">
-        <p14:creationId xmlns:p14="http://schemas.microsoft.com/office/powerpoint/2010/main" val="3142296394"/>
+        <p14:creationId xmlns:p14="http://schemas.microsoft.com/office/powerpoint/2010/main" xmlns="" val="3142296394"/>
       </p:ext>
     </p:extLst>
   </p:cSld>
@@ -10942,7 +10966,7 @@
     </p:spTree>
     <p:extLst>
       <p:ext uri="{BB962C8B-B14F-4D97-AF65-F5344CB8AC3E}">
-        <p14:creationId xmlns:p14="http://schemas.microsoft.com/office/powerpoint/2010/main" val="1678483324"/>
+        <p14:creationId xmlns:p14="http://schemas.microsoft.com/office/powerpoint/2010/main" xmlns="" val="1678483324"/>
       </p:ext>
     </p:extLst>
   </p:cSld>
@@ -11002,7 +11026,7 @@
     </a:clrScheme>
     <a:fontScheme name="Office">
       <a:majorFont>
-        <a:latin typeface="Calibri Light" panose="020F0302020204030204"/>
+        <a:latin typeface="Calibri Light"/>
         <a:ea typeface=""/>
         <a:cs typeface=""/>
         <a:font script="Jpan" typeface="ＭＳ Ｐゴシック"/>
@@ -11037,7 +11061,7 @@
         <a:font script="Geor" typeface="Sylfaen"/>
       </a:majorFont>
       <a:minorFont>
-        <a:latin typeface="Calibri" panose="020F0502020204030204"/>
+        <a:latin typeface="Calibri"/>
         <a:ea typeface=""/>
         <a:cs typeface=""/>
         <a:font script="Jpan" typeface="ＭＳ Ｐゴシック"/>
@@ -11214,7 +11238,7 @@
   <a:extraClrSchemeLst/>
   <a:extLst>
     <a:ext uri="{05A4C25C-085E-4340-85A3-A5531E510DB2}">
-      <thm15:themeFamily xmlns:thm15="http://schemas.microsoft.com/office/thememl/2012/main" name="Office Theme" id="{62F939B6-93AF-4DB8-9C6B-D6C7DFDC589F}" vid="{4A3C46E8-61CC-4603-A589-7422A47A8E4A}"/>
+      <thm15:themeFamily xmlns:thm15="http://schemas.microsoft.com/office/thememl/2012/main" xmlns="" name="Office Theme" id="{62F939B6-93AF-4DB8-9C6B-D6C7DFDC589F}" vid="{4A3C46E8-61CC-4603-A589-7422A47A8E4A}"/>
     </a:ext>
   </a:extLst>
 </a:theme>
